--- a/presentation/presentation.pptx
+++ b/presentation/presentation.pptx
@@ -5,14 +5,16 @@
     <p:sldMasterId id="2147483672" r:id="rId1"/>
   </p:sldMasterIdLst>
   <p:notesMasterIdLst>
-    <p:notesMasterId r:id="rId4"/>
+    <p:notesMasterId r:id="rId6"/>
   </p:notesMasterIdLst>
   <p:handoutMasterIdLst>
-    <p:handoutMasterId r:id="rId5"/>
+    <p:handoutMasterId r:id="rId7"/>
   </p:handoutMasterIdLst>
   <p:sldIdLst>
     <p:sldId id="256" r:id="rId2"/>
     <p:sldId id="257" r:id="rId3"/>
+    <p:sldId id="258" r:id="rId4"/>
+    <p:sldId id="259" r:id="rId5"/>
   </p:sldIdLst>
   <p:sldSz cx="12192000" cy="6858000"/>
   <p:notesSz cx="6858000" cy="9144000"/>
@@ -226,7 +228,7 @@
           <a:p>
             <a:fld id="{1F4F3044-7886-449A-97EF-5D7D63F75177}" type="datetimeFigureOut">
               <a:rPr lang="pt-BR" smtClean="0"/>
-              <a:t>26/02/2018</a:t>
+              <a:t>27/02/2018</a:t>
             </a:fld>
             <a:endParaRPr lang="pt-BR"/>
           </a:p>
@@ -392,7 +394,7 @@
           <a:p>
             <a:fld id="{63C5C35F-AA7A-4D6D-BAE2-6C9CC86AC398}" type="datetimeFigureOut">
               <a:rPr lang="pt-BR" smtClean="0"/>
-              <a:t>26/02/2018</a:t>
+              <a:t>27/02/2018</a:t>
             </a:fld>
             <a:endParaRPr lang="pt-BR"/>
           </a:p>
@@ -817,10 +819,18 @@
           </a:xfrm>
         </p:spPr>
         <p:txBody>
-          <a:bodyPr anchor="b"/>
+          <a:bodyPr anchor="b">
+            <a:normAutofit/>
+          </a:bodyPr>
           <a:lstStyle>
             <a:lvl1pPr algn="ctr">
-              <a:defRPr sz="6000"/>
+              <a:defRPr sz="3200">
+                <a:solidFill>
+                  <a:schemeClr val="tx2">
+                    <a:lumMod val="75000"/>
+                  </a:schemeClr>
+                </a:solidFill>
+              </a:defRPr>
             </a:lvl1pPr>
           </a:lstStyle>
           <a:p>
@@ -849,11 +859,19 @@
           </a:xfrm>
         </p:spPr>
         <p:txBody>
-          <a:bodyPr/>
+          <a:bodyPr>
+            <a:normAutofit/>
+          </a:bodyPr>
           <a:lstStyle>
             <a:lvl1pPr marL="0" indent="0" algn="ctr">
               <a:buNone/>
-              <a:defRPr sz="2400"/>
+              <a:defRPr sz="1600">
+                <a:solidFill>
+                  <a:schemeClr val="tx2">
+                    <a:lumMod val="50000"/>
+                  </a:schemeClr>
+                </a:solidFill>
+              </a:defRPr>
             </a:lvl1pPr>
             <a:lvl2pPr marL="457200" indent="0" algn="ctr">
               <a:buNone/>
@@ -914,7 +932,7 @@
           <a:p>
             <a:fld id="{650CCF7B-A3A6-492D-BE24-32A9BB5F38B3}" type="datetime1">
               <a:rPr lang="pt-BR" smtClean="0"/>
-              <a:t>26/02/2018</a:t>
+              <a:t>27/02/2018</a:t>
             </a:fld>
             <a:endParaRPr lang="pt-BR"/>
           </a:p>
@@ -966,370 +984,6 @@
     <p:extLst>
       <p:ext uri="{BB962C8B-B14F-4D97-AF65-F5344CB8AC3E}">
         <p14:creationId xmlns:p14="http://schemas.microsoft.com/office/powerpoint/2010/main" val="898834526"/>
-      </p:ext>
-    </p:extLst>
-  </p:cSld>
-  <p:clrMapOvr>
-    <a:masterClrMapping/>
-  </p:clrMapOvr>
-  <p:timing>
-    <p:tnLst>
-      <p:par>
-        <p:cTn id="1" dur="indefinite" restart="never" nodeType="tmRoot"/>
-      </p:par>
-    </p:tnLst>
-  </p:timing>
-</p:sldLayout>
-</file>
-
-<file path=ppt/slideLayouts/slideLayout10.xml><?xml version="1.0" encoding="utf-8"?>
-<p:sldLayout xmlns:a="http://schemas.openxmlformats.org/drawingml/2006/main" xmlns:r="http://schemas.openxmlformats.org/officeDocument/2006/relationships" xmlns:p="http://schemas.openxmlformats.org/presentationml/2006/main" type="vertTx" preserve="1">
-  <p:cSld name="Título e texto vertical">
-    <p:spTree>
-      <p:nvGrpSpPr>
-        <p:cNvPr id="1" name=""/>
-        <p:cNvGrpSpPr/>
-        <p:nvPr/>
-      </p:nvGrpSpPr>
-      <p:grpSpPr>
-        <a:xfrm>
-          <a:off x="0" y="0"/>
-          <a:ext cx="0" cy="0"/>
-          <a:chOff x="0" y="0"/>
-          <a:chExt cx="0" cy="0"/>
-        </a:xfrm>
-      </p:grpSpPr>
-      <p:sp>
-        <p:nvSpPr>
-          <p:cNvPr id="2" name="Title 1"/>
-          <p:cNvSpPr>
-            <a:spLocks noGrp="1"/>
-          </p:cNvSpPr>
-          <p:nvPr>
-            <p:ph type="title"/>
-          </p:nvPr>
-        </p:nvSpPr>
-        <p:spPr/>
-        <p:txBody>
-          <a:bodyPr/>
-          <a:lstStyle/>
-          <a:p>
-            <a:r>
-              <a:rPr lang="pt-BR" smtClean="0"/>
-              <a:t>Clique para editar o título mestre</a:t>
-            </a:r>
-            <a:endParaRPr lang="en-US" dirty="0"/>
-          </a:p>
-        </p:txBody>
-      </p:sp>
-      <p:sp>
-        <p:nvSpPr>
-          <p:cNvPr id="3" name="Vertical Text Placeholder 2"/>
-          <p:cNvSpPr>
-            <a:spLocks noGrp="1"/>
-          </p:cNvSpPr>
-          <p:nvPr>
-            <p:ph type="body" orient="vert" idx="1"/>
-          </p:nvPr>
-        </p:nvSpPr>
-        <p:spPr/>
-        <p:txBody>
-          <a:bodyPr vert="eaVert"/>
-          <a:lstStyle/>
-          <a:p>
-            <a:pPr lvl="0"/>
-            <a:r>
-              <a:rPr lang="pt-BR" smtClean="0"/>
-              <a:t>Clique para editar o texto mestre</a:t>
-            </a:r>
-          </a:p>
-          <a:p>
-            <a:pPr lvl="1"/>
-            <a:r>
-              <a:rPr lang="pt-BR" smtClean="0"/>
-              <a:t>Segundo nível</a:t>
-            </a:r>
-          </a:p>
-          <a:p>
-            <a:pPr lvl="2"/>
-            <a:r>
-              <a:rPr lang="pt-BR" smtClean="0"/>
-              <a:t>Terceiro nível</a:t>
-            </a:r>
-          </a:p>
-          <a:p>
-            <a:pPr lvl="3"/>
-            <a:r>
-              <a:rPr lang="pt-BR" smtClean="0"/>
-              <a:t>Quarto nível</a:t>
-            </a:r>
-          </a:p>
-          <a:p>
-            <a:pPr lvl="4"/>
-            <a:r>
-              <a:rPr lang="pt-BR" smtClean="0"/>
-              <a:t>Quinto nível</a:t>
-            </a:r>
-            <a:endParaRPr lang="en-US" dirty="0"/>
-          </a:p>
-        </p:txBody>
-      </p:sp>
-      <p:sp>
-        <p:nvSpPr>
-          <p:cNvPr id="4" name="Date Placeholder 3"/>
-          <p:cNvSpPr>
-            <a:spLocks noGrp="1"/>
-          </p:cNvSpPr>
-          <p:nvPr>
-            <p:ph type="dt" sz="half" idx="10"/>
-          </p:nvPr>
-        </p:nvSpPr>
-        <p:spPr/>
-        <p:txBody>
-          <a:bodyPr/>
-          <a:lstStyle/>
-          <a:p>
-            <a:fld id="{D60ADF51-5FAA-47D0-B209-B86ED9A1ED16}" type="datetime1">
-              <a:rPr lang="pt-BR" smtClean="0"/>
-              <a:t>26/02/2018</a:t>
-            </a:fld>
-            <a:endParaRPr lang="pt-BR"/>
-          </a:p>
-        </p:txBody>
-      </p:sp>
-      <p:sp>
-        <p:nvSpPr>
-          <p:cNvPr id="5" name="Footer Placeholder 4"/>
-          <p:cNvSpPr>
-            <a:spLocks noGrp="1"/>
-          </p:cNvSpPr>
-          <p:nvPr>
-            <p:ph type="ftr" sz="quarter" idx="11"/>
-          </p:nvPr>
-        </p:nvSpPr>
-        <p:spPr/>
-        <p:txBody>
-          <a:bodyPr/>
-          <a:lstStyle/>
-          <a:p>
-            <a:endParaRPr lang="pt-BR"/>
-          </a:p>
-        </p:txBody>
-      </p:sp>
-      <p:sp>
-        <p:nvSpPr>
-          <p:cNvPr id="6" name="Slide Number Placeholder 5"/>
-          <p:cNvSpPr>
-            <a:spLocks noGrp="1"/>
-          </p:cNvSpPr>
-          <p:nvPr>
-            <p:ph type="sldNum" sz="quarter" idx="12"/>
-          </p:nvPr>
-        </p:nvSpPr>
-        <p:spPr/>
-        <p:txBody>
-          <a:bodyPr/>
-          <a:lstStyle/>
-          <a:p>
-            <a:fld id="{00E55D9D-EA25-455E-8878-CBD4B3E879F3}" type="slidenum">
-              <a:rPr lang="pt-BR" smtClean="0"/>
-              <a:t>‹nº›</a:t>
-            </a:fld>
-            <a:endParaRPr lang="pt-BR"/>
-          </a:p>
-        </p:txBody>
-      </p:sp>
-    </p:spTree>
-    <p:extLst>
-      <p:ext uri="{BB962C8B-B14F-4D97-AF65-F5344CB8AC3E}">
-        <p14:creationId xmlns:p14="http://schemas.microsoft.com/office/powerpoint/2010/main" val="560978777"/>
-      </p:ext>
-    </p:extLst>
-  </p:cSld>
-  <p:clrMapOvr>
-    <a:masterClrMapping/>
-  </p:clrMapOvr>
-  <p:timing>
-    <p:tnLst>
-      <p:par>
-        <p:cTn id="1" dur="indefinite" restart="never" nodeType="tmRoot"/>
-      </p:par>
-    </p:tnLst>
-  </p:timing>
-</p:sldLayout>
-</file>
-
-<file path=ppt/slideLayouts/slideLayout11.xml><?xml version="1.0" encoding="utf-8"?>
-<p:sldLayout xmlns:a="http://schemas.openxmlformats.org/drawingml/2006/main" xmlns:r="http://schemas.openxmlformats.org/officeDocument/2006/relationships" xmlns:p="http://schemas.openxmlformats.org/presentationml/2006/main" type="vertTitleAndTx" preserve="1">
-  <p:cSld name="Título e texto verticais">
-    <p:spTree>
-      <p:nvGrpSpPr>
-        <p:cNvPr id="1" name=""/>
-        <p:cNvGrpSpPr/>
-        <p:nvPr/>
-      </p:nvGrpSpPr>
-      <p:grpSpPr>
-        <a:xfrm>
-          <a:off x="0" y="0"/>
-          <a:ext cx="0" cy="0"/>
-          <a:chOff x="0" y="0"/>
-          <a:chExt cx="0" cy="0"/>
-        </a:xfrm>
-      </p:grpSpPr>
-      <p:sp>
-        <p:nvSpPr>
-          <p:cNvPr id="2" name="Vertical Title 1"/>
-          <p:cNvSpPr>
-            <a:spLocks noGrp="1"/>
-          </p:cNvSpPr>
-          <p:nvPr>
-            <p:ph type="title" orient="vert"/>
-          </p:nvPr>
-        </p:nvSpPr>
-        <p:spPr>
-          <a:xfrm>
-            <a:off x="8724900" y="365125"/>
-            <a:ext cx="2628900" cy="5811838"/>
-          </a:xfrm>
-        </p:spPr>
-        <p:txBody>
-          <a:bodyPr vert="eaVert"/>
-          <a:lstStyle/>
-          <a:p>
-            <a:r>
-              <a:rPr lang="pt-BR" smtClean="0"/>
-              <a:t>Clique para editar o título mestre</a:t>
-            </a:r>
-            <a:endParaRPr lang="en-US" dirty="0"/>
-          </a:p>
-        </p:txBody>
-      </p:sp>
-      <p:sp>
-        <p:nvSpPr>
-          <p:cNvPr id="3" name="Vertical Text Placeholder 2"/>
-          <p:cNvSpPr>
-            <a:spLocks noGrp="1"/>
-          </p:cNvSpPr>
-          <p:nvPr>
-            <p:ph type="body" orient="vert" idx="1"/>
-          </p:nvPr>
-        </p:nvSpPr>
-        <p:spPr>
-          <a:xfrm>
-            <a:off x="838200" y="365125"/>
-            <a:ext cx="7734300" cy="5811838"/>
-          </a:xfrm>
-        </p:spPr>
-        <p:txBody>
-          <a:bodyPr vert="eaVert"/>
-          <a:lstStyle/>
-          <a:p>
-            <a:pPr lvl="0"/>
-            <a:r>
-              <a:rPr lang="pt-BR" smtClean="0"/>
-              <a:t>Clique para editar o texto mestre</a:t>
-            </a:r>
-          </a:p>
-          <a:p>
-            <a:pPr lvl="1"/>
-            <a:r>
-              <a:rPr lang="pt-BR" smtClean="0"/>
-              <a:t>Segundo nível</a:t>
-            </a:r>
-          </a:p>
-          <a:p>
-            <a:pPr lvl="2"/>
-            <a:r>
-              <a:rPr lang="pt-BR" smtClean="0"/>
-              <a:t>Terceiro nível</a:t>
-            </a:r>
-          </a:p>
-          <a:p>
-            <a:pPr lvl="3"/>
-            <a:r>
-              <a:rPr lang="pt-BR" smtClean="0"/>
-              <a:t>Quarto nível</a:t>
-            </a:r>
-          </a:p>
-          <a:p>
-            <a:pPr lvl="4"/>
-            <a:r>
-              <a:rPr lang="pt-BR" smtClean="0"/>
-              <a:t>Quinto nível</a:t>
-            </a:r>
-            <a:endParaRPr lang="en-US" dirty="0"/>
-          </a:p>
-        </p:txBody>
-      </p:sp>
-      <p:sp>
-        <p:nvSpPr>
-          <p:cNvPr id="4" name="Date Placeholder 3"/>
-          <p:cNvSpPr>
-            <a:spLocks noGrp="1"/>
-          </p:cNvSpPr>
-          <p:nvPr>
-            <p:ph type="dt" sz="half" idx="10"/>
-          </p:nvPr>
-        </p:nvSpPr>
-        <p:spPr/>
-        <p:txBody>
-          <a:bodyPr/>
-          <a:lstStyle/>
-          <a:p>
-            <a:fld id="{92E9F208-21B7-4DF5-85B7-63FE63B47768}" type="datetime1">
-              <a:rPr lang="pt-BR" smtClean="0"/>
-              <a:t>26/02/2018</a:t>
-            </a:fld>
-            <a:endParaRPr lang="pt-BR"/>
-          </a:p>
-        </p:txBody>
-      </p:sp>
-      <p:sp>
-        <p:nvSpPr>
-          <p:cNvPr id="5" name="Footer Placeholder 4"/>
-          <p:cNvSpPr>
-            <a:spLocks noGrp="1"/>
-          </p:cNvSpPr>
-          <p:nvPr>
-            <p:ph type="ftr" sz="quarter" idx="11"/>
-          </p:nvPr>
-        </p:nvSpPr>
-        <p:spPr/>
-        <p:txBody>
-          <a:bodyPr/>
-          <a:lstStyle/>
-          <a:p>
-            <a:endParaRPr lang="pt-BR"/>
-          </a:p>
-        </p:txBody>
-      </p:sp>
-      <p:sp>
-        <p:nvSpPr>
-          <p:cNvPr id="6" name="Slide Number Placeholder 5"/>
-          <p:cNvSpPr>
-            <a:spLocks noGrp="1"/>
-          </p:cNvSpPr>
-          <p:nvPr>
-            <p:ph type="sldNum" sz="quarter" idx="12"/>
-          </p:nvPr>
-        </p:nvSpPr>
-        <p:spPr/>
-        <p:txBody>
-          <a:bodyPr/>
-          <a:lstStyle/>
-          <a:p>
-            <a:fld id="{00E55D9D-EA25-455E-8878-CBD4B3E879F3}" type="slidenum">
-              <a:rPr lang="pt-BR" smtClean="0"/>
-              <a:t>‹nº›</a:t>
-            </a:fld>
-            <a:endParaRPr lang="pt-BR"/>
-          </a:p>
-        </p:txBody>
-      </p:sp>
-    </p:spTree>
-    <p:extLst>
-      <p:ext uri="{BB962C8B-B14F-4D97-AF65-F5344CB8AC3E}">
-        <p14:creationId xmlns:p14="http://schemas.microsoft.com/office/powerpoint/2010/main" val="3439493687"/>
       </p:ext>
     </p:extLst>
   </p:cSld>
@@ -1375,87 +1029,159 @@
         </p:nvSpPr>
         <p:spPr/>
         <p:txBody>
+          <a:bodyPr anchor="t">
+            <a:normAutofit/>
+          </a:bodyPr>
+          <a:lstStyle>
+            <a:lvl1pPr>
+              <a:defRPr sz="2800">
+                <a:solidFill>
+                  <a:schemeClr val="tx2">
+                    <a:lumMod val="75000"/>
+                  </a:schemeClr>
+                </a:solidFill>
+              </a:defRPr>
+            </a:lvl1pPr>
+          </a:lstStyle>
+          <a:p>
+            <a:r>
+              <a:rPr lang="pt-BR" smtClean="0"/>
+              <a:t>Clique para editar o título mestre</a:t>
+            </a:r>
+            <a:endParaRPr lang="en-US" dirty="0"/>
+          </a:p>
+        </p:txBody>
+      </p:sp>
+      <p:sp>
+        <p:nvSpPr>
+          <p:cNvPr id="3" name="Content Placeholder 2"/>
+          <p:cNvSpPr>
+            <a:spLocks noGrp="1"/>
+          </p:cNvSpPr>
+          <p:nvPr>
+            <p:ph idx="1"/>
+          </p:nvPr>
+        </p:nvSpPr>
+        <p:spPr/>
+        <p:txBody>
+          <a:bodyPr>
+            <a:normAutofit/>
+          </a:bodyPr>
+          <a:lstStyle>
+            <a:lvl1pPr>
+              <a:defRPr sz="1400">
+                <a:solidFill>
+                  <a:schemeClr val="tx2">
+                    <a:lumMod val="50000"/>
+                  </a:schemeClr>
+                </a:solidFill>
+              </a:defRPr>
+            </a:lvl1pPr>
+            <a:lvl2pPr>
+              <a:defRPr sz="1400">
+                <a:solidFill>
+                  <a:schemeClr val="tx2">
+                    <a:lumMod val="50000"/>
+                  </a:schemeClr>
+                </a:solidFill>
+              </a:defRPr>
+            </a:lvl2pPr>
+            <a:lvl3pPr>
+              <a:defRPr sz="1400">
+                <a:solidFill>
+                  <a:schemeClr val="tx2">
+                    <a:lumMod val="50000"/>
+                  </a:schemeClr>
+                </a:solidFill>
+              </a:defRPr>
+            </a:lvl3pPr>
+            <a:lvl4pPr>
+              <a:defRPr sz="1400">
+                <a:solidFill>
+                  <a:schemeClr val="tx2">
+                    <a:lumMod val="50000"/>
+                  </a:schemeClr>
+                </a:solidFill>
+              </a:defRPr>
+            </a:lvl4pPr>
+            <a:lvl5pPr>
+              <a:defRPr sz="1400">
+                <a:solidFill>
+                  <a:schemeClr val="tx2">
+                    <a:lumMod val="50000"/>
+                  </a:schemeClr>
+                </a:solidFill>
+              </a:defRPr>
+            </a:lvl5pPr>
+          </a:lstStyle>
+          <a:p>
+            <a:pPr lvl="0"/>
+            <a:r>
+              <a:rPr lang="pt-BR" smtClean="0"/>
+              <a:t>Clique para editar o texto mestre</a:t>
+            </a:r>
+          </a:p>
+          <a:p>
+            <a:pPr lvl="1"/>
+            <a:r>
+              <a:rPr lang="pt-BR" smtClean="0"/>
+              <a:t>Segundo nível</a:t>
+            </a:r>
+          </a:p>
+          <a:p>
+            <a:pPr lvl="2"/>
+            <a:r>
+              <a:rPr lang="pt-BR" smtClean="0"/>
+              <a:t>Terceiro nível</a:t>
+            </a:r>
+          </a:p>
+          <a:p>
+            <a:pPr lvl="3"/>
+            <a:r>
+              <a:rPr lang="pt-BR" smtClean="0"/>
+              <a:t>Quarto nível</a:t>
+            </a:r>
+          </a:p>
+          <a:p>
+            <a:pPr lvl="4"/>
+            <a:r>
+              <a:rPr lang="pt-BR" smtClean="0"/>
+              <a:t>Quinto nível</a:t>
+            </a:r>
+            <a:endParaRPr lang="en-US" dirty="0"/>
+          </a:p>
+        </p:txBody>
+      </p:sp>
+      <p:sp>
+        <p:nvSpPr>
+          <p:cNvPr id="4" name="Date Placeholder 3"/>
+          <p:cNvSpPr>
+            <a:spLocks noGrp="1"/>
+          </p:cNvSpPr>
+          <p:nvPr>
+            <p:ph type="dt" sz="half" idx="10"/>
+          </p:nvPr>
+        </p:nvSpPr>
+        <p:spPr/>
+        <p:txBody>
           <a:bodyPr/>
-          <a:lstStyle/>
-          <a:p>
-            <a:r>
-              <a:rPr lang="pt-BR" smtClean="0"/>
-              <a:t>Clique para editar o título mestre</a:t>
-            </a:r>
-            <a:endParaRPr lang="en-US" dirty="0"/>
-          </a:p>
-        </p:txBody>
-      </p:sp>
-      <p:sp>
-        <p:nvSpPr>
-          <p:cNvPr id="3" name="Content Placeholder 2"/>
-          <p:cNvSpPr>
-            <a:spLocks noGrp="1"/>
-          </p:cNvSpPr>
-          <p:nvPr>
-            <p:ph idx="1"/>
-          </p:nvPr>
-        </p:nvSpPr>
-        <p:spPr/>
-        <p:txBody>
-          <a:bodyPr/>
-          <a:lstStyle/>
-          <a:p>
-            <a:pPr lvl="0"/>
-            <a:r>
-              <a:rPr lang="pt-BR" smtClean="0"/>
-              <a:t>Clique para editar o texto mestre</a:t>
-            </a:r>
-          </a:p>
-          <a:p>
-            <a:pPr lvl="1"/>
-            <a:r>
-              <a:rPr lang="pt-BR" smtClean="0"/>
-              <a:t>Segundo nível</a:t>
-            </a:r>
-          </a:p>
-          <a:p>
-            <a:pPr lvl="2"/>
-            <a:r>
-              <a:rPr lang="pt-BR" smtClean="0"/>
-              <a:t>Terceiro nível</a:t>
-            </a:r>
-          </a:p>
-          <a:p>
-            <a:pPr lvl="3"/>
-            <a:r>
-              <a:rPr lang="pt-BR" smtClean="0"/>
-              <a:t>Quarto nível</a:t>
-            </a:r>
-          </a:p>
-          <a:p>
-            <a:pPr lvl="4"/>
-            <a:r>
-              <a:rPr lang="pt-BR" smtClean="0"/>
-              <a:t>Quinto nível</a:t>
-            </a:r>
-            <a:endParaRPr lang="en-US" dirty="0"/>
-          </a:p>
-        </p:txBody>
-      </p:sp>
-      <p:sp>
-        <p:nvSpPr>
-          <p:cNvPr id="4" name="Date Placeholder 3"/>
-          <p:cNvSpPr>
-            <a:spLocks noGrp="1"/>
-          </p:cNvSpPr>
-          <p:nvPr>
-            <p:ph type="dt" sz="half" idx="10"/>
-          </p:nvPr>
-        </p:nvSpPr>
-        <p:spPr/>
-        <p:txBody>
-          <a:bodyPr/>
-          <a:lstStyle/>
+          <a:lstStyle>
+            <a:lvl1pPr>
+              <a:defRPr>
+                <a:solidFill>
+                  <a:schemeClr val="tx1">
+                    <a:lumMod val="65000"/>
+                    <a:lumOff val="35000"/>
+                  </a:schemeClr>
+                </a:solidFill>
+              </a:defRPr>
+            </a:lvl1pPr>
+          </a:lstStyle>
           <a:p>
             <a:fld id="{5A9A0C65-F92C-43AC-92A5-6D16BCB03439}" type="datetime1">
               <a:rPr lang="pt-BR" smtClean="0"/>
-              <a:t>26/02/2018</a:t>
+              <a:pPr/>
+              <a:t>27/02/2018</a:t>
             </a:fld>
             <a:endParaRPr lang="pt-BR"/>
           </a:p>
@@ -1474,7 +1200,18 @@
         <p:spPr/>
         <p:txBody>
           <a:bodyPr/>
-          <a:lstStyle/>
+          <a:lstStyle>
+            <a:lvl1pPr>
+              <a:defRPr>
+                <a:solidFill>
+                  <a:schemeClr val="tx1">
+                    <a:lumMod val="65000"/>
+                    <a:lumOff val="35000"/>
+                  </a:schemeClr>
+                </a:solidFill>
+              </a:defRPr>
+            </a:lvl1pPr>
+          </a:lstStyle>
           <a:p>
             <a:endParaRPr lang="pt-BR"/>
           </a:p>
@@ -1493,17 +1230,24 @@
         <p:spPr/>
         <p:txBody>
           <a:bodyPr/>
-          <a:lstStyle/>
+          <a:lstStyle>
+            <a:lvl1pPr>
+              <a:defRPr>
+                <a:solidFill>
+                  <a:schemeClr val="tx1">
+                    <a:lumMod val="65000"/>
+                    <a:lumOff val="35000"/>
+                  </a:schemeClr>
+                </a:solidFill>
+              </a:defRPr>
+            </a:lvl1pPr>
+          </a:lstStyle>
           <a:p>
             <a:fld id="{00E55D9D-EA25-455E-8878-CBD4B3E879F3}" type="slidenum">
               <a:rPr lang="pt-BR" smtClean="0"/>
               <a:pPr/>
               <a:t>‹nº›</a:t>
             </a:fld>
-            <a:r>
-              <a:rPr lang="pt-BR" dirty="0" smtClean="0"/>
-              <a:t> / 10</a:t>
-            </a:r>
             <a:endParaRPr lang="pt-BR" dirty="0"/>
           </a:p>
         </p:txBody>
@@ -1600,8 +1344,8 @@
               <a:buNone/>
               <a:defRPr sz="2400">
                 <a:solidFill>
-                  <a:schemeClr val="tx1">
-                    <a:tint val="75000"/>
+                  <a:schemeClr val="tx2">
+                    <a:lumMod val="50000"/>
                   </a:schemeClr>
                 </a:solidFill>
               </a:defRPr>
@@ -1713,7 +1457,7 @@
           <a:p>
             <a:fld id="{11EF8DD1-EC7D-47B6-8A8B-7B71AFBF6559}" type="datetime1">
               <a:rPr lang="pt-BR" smtClean="0"/>
-              <a:t>26/02/2018</a:t>
+              <a:t>27/02/2018</a:t>
             </a:fld>
             <a:endParaRPr lang="pt-BR"/>
           </a:p>
@@ -1811,7 +1555,17 @@
         <p:spPr/>
         <p:txBody>
           <a:bodyPr/>
-          <a:lstStyle/>
+          <a:lstStyle>
+            <a:lvl1pPr>
+              <a:defRPr>
+                <a:solidFill>
+                  <a:schemeClr val="tx2">
+                    <a:lumMod val="75000"/>
+                  </a:schemeClr>
+                </a:solidFill>
+              </a:defRPr>
+            </a:lvl1pPr>
+          </a:lstStyle>
           <a:p>
             <a:r>
               <a:rPr lang="pt-BR" smtClean="0"/>
@@ -1839,7 +1593,53 @@
         </p:spPr>
         <p:txBody>
           <a:bodyPr/>
-          <a:lstStyle/>
+          <a:lstStyle>
+            <a:lvl1pPr>
+              <a:defRPr>
+                <a:solidFill>
+                  <a:schemeClr val="tx2">
+                    <a:lumMod val="50000"/>
+                  </a:schemeClr>
+                </a:solidFill>
+              </a:defRPr>
+            </a:lvl1pPr>
+            <a:lvl2pPr>
+              <a:defRPr>
+                <a:solidFill>
+                  <a:schemeClr val="tx2">
+                    <a:lumMod val="50000"/>
+                  </a:schemeClr>
+                </a:solidFill>
+              </a:defRPr>
+            </a:lvl2pPr>
+            <a:lvl3pPr>
+              <a:defRPr>
+                <a:solidFill>
+                  <a:schemeClr val="tx2">
+                    <a:lumMod val="50000"/>
+                  </a:schemeClr>
+                </a:solidFill>
+              </a:defRPr>
+            </a:lvl3pPr>
+            <a:lvl4pPr>
+              <a:defRPr>
+                <a:solidFill>
+                  <a:schemeClr val="tx2">
+                    <a:lumMod val="50000"/>
+                  </a:schemeClr>
+                </a:solidFill>
+              </a:defRPr>
+            </a:lvl4pPr>
+            <a:lvl5pPr>
+              <a:defRPr>
+                <a:solidFill>
+                  <a:schemeClr val="tx2">
+                    <a:lumMod val="50000"/>
+                  </a:schemeClr>
+                </a:solidFill>
+              </a:defRPr>
+            </a:lvl5pPr>
+          </a:lstStyle>
           <a:p>
             <a:pPr lvl="0"/>
             <a:r>
@@ -1896,7 +1696,53 @@
         </p:spPr>
         <p:txBody>
           <a:bodyPr/>
-          <a:lstStyle/>
+          <a:lstStyle>
+            <a:lvl1pPr>
+              <a:defRPr>
+                <a:solidFill>
+                  <a:schemeClr val="tx2">
+                    <a:lumMod val="50000"/>
+                  </a:schemeClr>
+                </a:solidFill>
+              </a:defRPr>
+            </a:lvl1pPr>
+            <a:lvl2pPr>
+              <a:defRPr>
+                <a:solidFill>
+                  <a:schemeClr val="tx2">
+                    <a:lumMod val="50000"/>
+                  </a:schemeClr>
+                </a:solidFill>
+              </a:defRPr>
+            </a:lvl2pPr>
+            <a:lvl3pPr>
+              <a:defRPr>
+                <a:solidFill>
+                  <a:schemeClr val="tx2">
+                    <a:lumMod val="50000"/>
+                  </a:schemeClr>
+                </a:solidFill>
+              </a:defRPr>
+            </a:lvl3pPr>
+            <a:lvl4pPr>
+              <a:defRPr>
+                <a:solidFill>
+                  <a:schemeClr val="tx2">
+                    <a:lumMod val="50000"/>
+                  </a:schemeClr>
+                </a:solidFill>
+              </a:defRPr>
+            </a:lvl4pPr>
+            <a:lvl5pPr>
+              <a:defRPr>
+                <a:solidFill>
+                  <a:schemeClr val="tx2">
+                    <a:lumMod val="50000"/>
+                  </a:schemeClr>
+                </a:solidFill>
+              </a:defRPr>
+            </a:lvl5pPr>
+          </a:lstStyle>
           <a:p>
             <a:pPr lvl="0"/>
             <a:r>
@@ -1952,7 +1798,7 @@
           <a:p>
             <a:fld id="{E7296ADA-E86B-4B70-BF5F-FB2F3F211E28}" type="datetime1">
               <a:rPr lang="pt-BR" smtClean="0"/>
-              <a:t>26/02/2018</a:t>
+              <a:t>27/02/2018</a:t>
             </a:fld>
             <a:endParaRPr lang="pt-BR"/>
           </a:p>
@@ -2086,7 +1932,13 @@
           <a:lstStyle>
             <a:lvl1pPr marL="0" indent="0">
               <a:buNone/>
-              <a:defRPr sz="2400" b="1"/>
+              <a:defRPr sz="2400" b="1">
+                <a:solidFill>
+                  <a:schemeClr val="tx2">
+                    <a:lumMod val="50000"/>
+                  </a:schemeClr>
+                </a:solidFill>
+              </a:defRPr>
             </a:lvl1pPr>
             <a:lvl2pPr marL="457200" indent="0">
               <a:buNone/>
@@ -2148,7 +2000,53 @@
         </p:spPr>
         <p:txBody>
           <a:bodyPr/>
-          <a:lstStyle/>
+          <a:lstStyle>
+            <a:lvl1pPr>
+              <a:defRPr>
+                <a:solidFill>
+                  <a:schemeClr val="tx2">
+                    <a:lumMod val="50000"/>
+                  </a:schemeClr>
+                </a:solidFill>
+              </a:defRPr>
+            </a:lvl1pPr>
+            <a:lvl2pPr>
+              <a:defRPr>
+                <a:solidFill>
+                  <a:schemeClr val="tx2">
+                    <a:lumMod val="50000"/>
+                  </a:schemeClr>
+                </a:solidFill>
+              </a:defRPr>
+            </a:lvl2pPr>
+            <a:lvl3pPr>
+              <a:defRPr>
+                <a:solidFill>
+                  <a:schemeClr val="tx2">
+                    <a:lumMod val="50000"/>
+                  </a:schemeClr>
+                </a:solidFill>
+              </a:defRPr>
+            </a:lvl3pPr>
+            <a:lvl4pPr>
+              <a:defRPr>
+                <a:solidFill>
+                  <a:schemeClr val="tx2">
+                    <a:lumMod val="50000"/>
+                  </a:schemeClr>
+                </a:solidFill>
+              </a:defRPr>
+            </a:lvl4pPr>
+            <a:lvl5pPr>
+              <a:defRPr>
+                <a:solidFill>
+                  <a:schemeClr val="tx2">
+                    <a:lumMod val="50000"/>
+                  </a:schemeClr>
+                </a:solidFill>
+              </a:defRPr>
+            </a:lvl5pPr>
+          </a:lstStyle>
           <a:p>
             <a:pPr lvl="0"/>
             <a:r>
@@ -2208,7 +2106,13 @@
           <a:lstStyle>
             <a:lvl1pPr marL="0" indent="0">
               <a:buNone/>
-              <a:defRPr sz="2400" b="1"/>
+              <a:defRPr sz="2400" b="1">
+                <a:solidFill>
+                  <a:schemeClr val="tx2">
+                    <a:lumMod val="50000"/>
+                  </a:schemeClr>
+                </a:solidFill>
+              </a:defRPr>
             </a:lvl1pPr>
             <a:lvl2pPr marL="457200" indent="0">
               <a:buNone/>
@@ -2270,7 +2174,53 @@
         </p:spPr>
         <p:txBody>
           <a:bodyPr/>
-          <a:lstStyle/>
+          <a:lstStyle>
+            <a:lvl1pPr>
+              <a:defRPr>
+                <a:solidFill>
+                  <a:schemeClr val="tx2">
+                    <a:lumMod val="50000"/>
+                  </a:schemeClr>
+                </a:solidFill>
+              </a:defRPr>
+            </a:lvl1pPr>
+            <a:lvl2pPr>
+              <a:defRPr>
+                <a:solidFill>
+                  <a:schemeClr val="tx2">
+                    <a:lumMod val="50000"/>
+                  </a:schemeClr>
+                </a:solidFill>
+              </a:defRPr>
+            </a:lvl2pPr>
+            <a:lvl3pPr>
+              <a:defRPr>
+                <a:solidFill>
+                  <a:schemeClr val="tx2">
+                    <a:lumMod val="50000"/>
+                  </a:schemeClr>
+                </a:solidFill>
+              </a:defRPr>
+            </a:lvl3pPr>
+            <a:lvl4pPr>
+              <a:defRPr>
+                <a:solidFill>
+                  <a:schemeClr val="tx2">
+                    <a:lumMod val="50000"/>
+                  </a:schemeClr>
+                </a:solidFill>
+              </a:defRPr>
+            </a:lvl4pPr>
+            <a:lvl5pPr>
+              <a:defRPr>
+                <a:solidFill>
+                  <a:schemeClr val="tx2">
+                    <a:lumMod val="50000"/>
+                  </a:schemeClr>
+                </a:solidFill>
+              </a:defRPr>
+            </a:lvl5pPr>
+          </a:lstStyle>
           <a:p>
             <a:pPr lvl="0"/>
             <a:r>
@@ -2326,7 +2276,7 @@
           <a:p>
             <a:fld id="{59821FCB-A6E4-412E-BD04-E2B1C3356191}" type="datetime1">
               <a:rPr lang="pt-BR" smtClean="0"/>
-              <a:t>26/02/2018</a:t>
+              <a:t>27/02/2018</a:t>
             </a:fld>
             <a:endParaRPr lang="pt-BR"/>
           </a:p>
@@ -2451,7 +2401,7 @@
           <a:p>
             <a:fld id="{D2D7D528-05C3-4F3E-AA89-2176EF1F32EF}" type="datetime1">
               <a:rPr lang="pt-BR" smtClean="0"/>
-              <a:t>26/02/2018</a:t>
+              <a:t>27/02/2018</a:t>
             </a:fld>
             <a:endParaRPr lang="pt-BR"/>
           </a:p>
@@ -2553,7 +2503,7 @@
           <a:p>
             <a:fld id="{B0B5D114-85B7-4A58-AC08-EB4FF0D4B52A}" type="datetime1">
               <a:rPr lang="pt-BR" smtClean="0"/>
-              <a:t>26/02/2018</a:t>
+              <a:t>27/02/2018</a:t>
             </a:fld>
             <a:endParaRPr lang="pt-BR"/>
           </a:p>
@@ -2655,10 +2605,12 @@
           </a:xfrm>
         </p:spPr>
         <p:txBody>
-          <a:bodyPr anchor="b"/>
+          <a:bodyPr anchor="b">
+            <a:normAutofit/>
+          </a:bodyPr>
           <a:lstStyle>
             <a:lvl1pPr>
-              <a:defRPr sz="3200"/>
+              <a:defRPr sz="2800"/>
             </a:lvl1pPr>
           </a:lstStyle>
           <a:p>
@@ -2687,22 +2639,24 @@
           </a:xfrm>
         </p:spPr>
         <p:txBody>
-          <a:bodyPr/>
+          <a:bodyPr>
+            <a:normAutofit/>
+          </a:bodyPr>
           <a:lstStyle>
             <a:lvl1pPr>
-              <a:defRPr sz="3200"/>
+              <a:defRPr sz="1400"/>
             </a:lvl1pPr>
             <a:lvl2pPr>
-              <a:defRPr sz="2800"/>
+              <a:defRPr sz="1400"/>
             </a:lvl2pPr>
             <a:lvl3pPr>
-              <a:defRPr sz="2400"/>
+              <a:defRPr sz="1400"/>
             </a:lvl3pPr>
             <a:lvl4pPr>
-              <a:defRPr sz="2000"/>
+              <a:defRPr sz="1400"/>
             </a:lvl4pPr>
             <a:lvl5pPr>
-              <a:defRPr sz="2000"/>
+              <a:defRPr sz="1400"/>
             </a:lvl5pPr>
             <a:lvl6pPr>
               <a:defRPr sz="2000"/>
@@ -2772,11 +2726,13 @@
           </a:xfrm>
         </p:spPr>
         <p:txBody>
-          <a:bodyPr/>
+          <a:bodyPr>
+            <a:normAutofit/>
+          </a:bodyPr>
           <a:lstStyle>
             <a:lvl1pPr marL="0" indent="0">
               <a:buNone/>
-              <a:defRPr sz="1600"/>
+              <a:defRPr sz="1400"/>
             </a:lvl1pPr>
             <a:lvl2pPr marL="457200" indent="0">
               <a:buNone/>
@@ -2837,7 +2793,7 @@
           <a:p>
             <a:fld id="{D9506600-DA97-4C18-A58C-8224990C3E96}" type="datetime1">
               <a:rPr lang="pt-BR" smtClean="0"/>
-              <a:t>26/02/2018</a:t>
+              <a:t>27/02/2018</a:t>
             </a:fld>
             <a:endParaRPr lang="pt-BR"/>
           </a:p>
@@ -2939,10 +2895,12 @@
           </a:xfrm>
         </p:spPr>
         <p:txBody>
-          <a:bodyPr anchor="b"/>
+          <a:bodyPr anchor="b">
+            <a:normAutofit/>
+          </a:bodyPr>
           <a:lstStyle>
             <a:lvl1pPr>
-              <a:defRPr sz="3200"/>
+              <a:defRPr sz="2800"/>
             </a:lvl1pPr>
           </a:lstStyle>
           <a:p>
@@ -2971,11 +2929,13 @@
           </a:xfrm>
         </p:spPr>
         <p:txBody>
-          <a:bodyPr anchor="t"/>
+          <a:bodyPr anchor="t">
+            <a:normAutofit/>
+          </a:bodyPr>
           <a:lstStyle>
             <a:lvl1pPr marL="0" indent="0">
               <a:buNone/>
-              <a:defRPr sz="3200"/>
+              <a:defRPr sz="1400"/>
             </a:lvl1pPr>
             <a:lvl2pPr marL="457200" indent="0">
               <a:buNone/>
@@ -3036,11 +2996,13 @@
           </a:xfrm>
         </p:spPr>
         <p:txBody>
-          <a:bodyPr/>
+          <a:bodyPr>
+            <a:normAutofit/>
+          </a:bodyPr>
           <a:lstStyle>
             <a:lvl1pPr marL="0" indent="0">
               <a:buNone/>
-              <a:defRPr sz="1600"/>
+              <a:defRPr sz="1400"/>
             </a:lvl1pPr>
             <a:lvl2pPr marL="457200" indent="0">
               <a:buNone/>
@@ -3101,7 +3063,7 @@
           <a:p>
             <a:fld id="{875D70A9-86B7-4F19-952D-09D27D710F24}" type="datetime1">
               <a:rPr lang="pt-BR" smtClean="0"/>
-              <a:t>26/02/2018</a:t>
+              <a:t>27/02/2018</a:t>
             </a:fld>
             <a:endParaRPr lang="pt-BR"/>
           </a:p>
@@ -3227,14 +3189,22 @@
           </a:prstGeom>
         </p:spPr>
         <p:txBody>
-          <a:bodyPr vert="horz" lIns="91440" tIns="45720" rIns="91440" bIns="45720" rtlCol="0" anchor="ctr">
+          <a:bodyPr vert="horz" lIns="91440" tIns="45720" rIns="91440" bIns="45720" rtlCol="0" anchor="t">
             <a:normAutofit/>
           </a:bodyPr>
           <a:lstStyle/>
           <a:p>
             <a:r>
-              <a:rPr lang="pt-BR" smtClean="0"/>
-              <a:t>Clique para editar o título mestre</a:t>
+              <a:rPr lang="pt-BR" dirty="0" smtClean="0"/>
+              <a:t>Clique para </a:t>
+            </a:r>
+            <a:r>
+              <a:rPr lang="pt-BR" dirty="0" smtClean="0"/>
+              <a:t>editar </a:t>
+            </a:r>
+            <a:r>
+              <a:rPr lang="pt-BR" dirty="0" smtClean="0"/>
+              <a:t>o título mestre</a:t>
             </a:r>
             <a:endParaRPr lang="en-US" dirty="0"/>
           </a:p>
@@ -3327,8 +3297,8 @@
             <a:lvl1pPr algn="l">
               <a:defRPr sz="1200">
                 <a:solidFill>
-                  <a:schemeClr val="tx1">
-                    <a:tint val="75000"/>
+                  <a:schemeClr val="bg2">
+                    <a:lumMod val="25000"/>
                   </a:schemeClr>
                 </a:solidFill>
               </a:defRPr>
@@ -3337,7 +3307,8 @@
           <a:p>
             <a:fld id="{611D27BE-39A9-43EC-B095-1291952CF699}" type="datetime1">
               <a:rPr lang="pt-BR" smtClean="0"/>
-              <a:t>26/02/2018</a:t>
+              <a:pPr/>
+              <a:t>27/02/2018</a:t>
             </a:fld>
             <a:endParaRPr lang="pt-BR"/>
           </a:p>
@@ -3368,8 +3339,8 @@
             <a:lvl1pPr algn="ctr">
               <a:defRPr sz="1200">
                 <a:solidFill>
-                  <a:schemeClr val="tx1">
-                    <a:tint val="75000"/>
+                  <a:schemeClr val="bg2">
+                    <a:lumMod val="25000"/>
                   </a:schemeClr>
                 </a:solidFill>
               </a:defRPr>
@@ -3405,8 +3376,8 @@
             <a:lvl1pPr algn="r">
               <a:defRPr sz="1200">
                 <a:solidFill>
-                  <a:schemeClr val="tx1">
-                    <a:tint val="75000"/>
+                  <a:schemeClr val="bg2">
+                    <a:lumMod val="25000"/>
                   </a:schemeClr>
                 </a:solidFill>
               </a:defRPr>
@@ -3415,6 +3386,7 @@
           <a:p>
             <a:fld id="{00E55D9D-EA25-455E-8878-CBD4B3E879F3}" type="slidenum">
               <a:rPr lang="pt-BR" smtClean="0"/>
+              <a:pPr/>
               <a:t>‹nº›</a:t>
             </a:fld>
             <a:endParaRPr lang="pt-BR" dirty="0"/>
@@ -3439,8 +3411,6 @@
     <p:sldLayoutId id="2147483679" r:id="rId7"/>
     <p:sldLayoutId id="2147483680" r:id="rId8"/>
     <p:sldLayoutId id="2147483681" r:id="rId9"/>
-    <p:sldLayoutId id="2147483682" r:id="rId10"/>
-    <p:sldLayoutId id="2147483683" r:id="rId11"/>
   </p:sldLayoutIdLst>
   <p:timing>
     <p:tnLst>
@@ -3460,9 +3430,11 @@
           <a:spcPct val="0"/>
         </a:spcBef>
         <a:buNone/>
-        <a:defRPr sz="4400" kern="1200">
+        <a:defRPr sz="2800" kern="1200">
           <a:solidFill>
-            <a:schemeClr val="tx1"/>
+            <a:schemeClr val="tx2">
+              <a:lumMod val="75000"/>
+            </a:schemeClr>
           </a:solidFill>
           <a:latin typeface="+mj-lt"/>
           <a:ea typeface="+mj-ea"/>
@@ -3480,9 +3452,11 @@
         </a:spcBef>
         <a:buFont typeface="Arial" panose="020B0604020202020204" pitchFamily="34" charset="0"/>
         <a:buChar char="•"/>
-        <a:defRPr sz="2800" kern="1200">
+        <a:defRPr sz="1400" kern="1200">
           <a:solidFill>
-            <a:schemeClr val="tx1"/>
+            <a:schemeClr val="tx2">
+              <a:lumMod val="50000"/>
+            </a:schemeClr>
           </a:solidFill>
           <a:latin typeface="+mn-lt"/>
           <a:ea typeface="+mn-ea"/>
@@ -3498,9 +3472,11 @@
         </a:spcBef>
         <a:buFont typeface="Arial" panose="020B0604020202020204" pitchFamily="34" charset="0"/>
         <a:buChar char="•"/>
-        <a:defRPr sz="2400" kern="1200">
+        <a:defRPr sz="1400" kern="1200">
           <a:solidFill>
-            <a:schemeClr val="tx1"/>
+            <a:schemeClr val="tx2">
+              <a:lumMod val="50000"/>
+            </a:schemeClr>
           </a:solidFill>
           <a:latin typeface="+mn-lt"/>
           <a:ea typeface="+mn-ea"/>
@@ -3516,9 +3492,11 @@
         </a:spcBef>
         <a:buFont typeface="Arial" panose="020B0604020202020204" pitchFamily="34" charset="0"/>
         <a:buChar char="•"/>
-        <a:defRPr sz="2000" kern="1200">
+        <a:defRPr sz="1400" kern="1200">
           <a:solidFill>
-            <a:schemeClr val="tx1"/>
+            <a:schemeClr val="tx2">
+              <a:lumMod val="50000"/>
+            </a:schemeClr>
           </a:solidFill>
           <a:latin typeface="+mn-lt"/>
           <a:ea typeface="+mn-ea"/>
@@ -3534,9 +3512,11 @@
         </a:spcBef>
         <a:buFont typeface="Arial" panose="020B0604020202020204" pitchFamily="34" charset="0"/>
         <a:buChar char="•"/>
-        <a:defRPr sz="1800" kern="1200">
+        <a:defRPr sz="1400" kern="1200">
           <a:solidFill>
-            <a:schemeClr val="tx1"/>
+            <a:schemeClr val="tx2">
+              <a:lumMod val="50000"/>
+            </a:schemeClr>
           </a:solidFill>
           <a:latin typeface="+mn-lt"/>
           <a:ea typeface="+mn-ea"/>
@@ -3552,9 +3532,11 @@
         </a:spcBef>
         <a:buFont typeface="Arial" panose="020B0604020202020204" pitchFamily="34" charset="0"/>
         <a:buChar char="•"/>
-        <a:defRPr sz="1800" kern="1200">
+        <a:defRPr sz="1400" kern="1200">
           <a:solidFill>
-            <a:schemeClr val="tx1"/>
+            <a:schemeClr val="tx2">
+              <a:lumMod val="50000"/>
+            </a:schemeClr>
           </a:solidFill>
           <a:latin typeface="+mn-lt"/>
           <a:ea typeface="+mn-ea"/>
@@ -3768,151 +3750,61 @@
           <a:lstStyle/>
           <a:p>
             <a:r>
-              <a:rPr lang="pt-BR" sz="3200" dirty="0">
-                <a:solidFill>
-                  <a:schemeClr val="tx2">
-                    <a:lumMod val="75000"/>
-                  </a:schemeClr>
-                </a:solidFill>
-              </a:rPr>
+              <a:rPr lang="pt-BR" sz="3200" dirty="0"/>
               <a:t>Geração </a:t>
             </a:r>
             <a:r>
-              <a:rPr lang="pt-BR" sz="3200" dirty="0" smtClean="0">
-                <a:solidFill>
-                  <a:schemeClr val="tx2">
-                    <a:lumMod val="75000"/>
-                  </a:schemeClr>
-                </a:solidFill>
-              </a:rPr>
+              <a:rPr lang="pt-BR" sz="3200" dirty="0" smtClean="0"/>
               <a:t>Semiautomática </a:t>
             </a:r>
             <a:r>
-              <a:rPr lang="pt-BR" sz="3200" dirty="0">
-                <a:solidFill>
-                  <a:schemeClr val="tx2">
-                    <a:lumMod val="75000"/>
-                  </a:schemeClr>
-                </a:solidFill>
-              </a:rPr>
+              <a:rPr lang="pt-BR" sz="3200" dirty="0"/>
               <a:t>de </a:t>
             </a:r>
             <a:r>
-              <a:rPr lang="pt-BR" sz="3200" dirty="0" smtClean="0">
-                <a:solidFill>
-                  <a:schemeClr val="tx2">
-                    <a:lumMod val="75000"/>
-                  </a:schemeClr>
-                </a:solidFill>
-              </a:rPr>
+              <a:rPr lang="pt-BR" sz="3200" dirty="0" smtClean="0"/>
               <a:t>Função </a:t>
             </a:r>
             <a:r>
-              <a:rPr lang="pt-BR" sz="3200" dirty="0">
-                <a:solidFill>
-                  <a:schemeClr val="tx2">
-                    <a:lumMod val="75000"/>
-                  </a:schemeClr>
-                </a:solidFill>
-              </a:rPr>
+              <a:rPr lang="pt-BR" sz="3200" dirty="0"/>
               <a:t>de </a:t>
             </a:r>
             <a:r>
-              <a:rPr lang="pt-BR" sz="3200" dirty="0" smtClean="0">
-                <a:solidFill>
-                  <a:schemeClr val="tx2">
-                    <a:lumMod val="75000"/>
-                  </a:schemeClr>
-                </a:solidFill>
-              </a:rPr>
+              <a:rPr lang="pt-BR" sz="3200" dirty="0" smtClean="0"/>
               <a:t>Transferência </a:t>
             </a:r>
             <a:r>
-              <a:rPr lang="pt-BR" sz="3200" dirty="0">
-                <a:solidFill>
-                  <a:schemeClr val="tx2">
-                    <a:lumMod val="75000"/>
-                  </a:schemeClr>
-                </a:solidFill>
-              </a:rPr>
+              <a:rPr lang="pt-BR" sz="3200" dirty="0"/>
               <a:t>para </a:t>
             </a:r>
             <a:r>
-              <a:rPr lang="pt-BR" sz="3200" dirty="0" smtClean="0">
-                <a:solidFill>
-                  <a:schemeClr val="tx2">
-                    <a:lumMod val="75000"/>
-                  </a:schemeClr>
-                </a:solidFill>
-              </a:rPr>
+              <a:rPr lang="pt-BR" sz="3200" dirty="0" smtClean="0"/>
               <a:t>Realce </a:t>
             </a:r>
             <a:r>
-              <a:rPr lang="pt-BR" sz="3200" dirty="0">
-                <a:solidFill>
-                  <a:schemeClr val="tx2">
-                    <a:lumMod val="75000"/>
-                  </a:schemeClr>
-                </a:solidFill>
-              </a:rPr>
+              <a:rPr lang="pt-BR" sz="3200" dirty="0"/>
               <a:t>de </a:t>
             </a:r>
             <a:r>
-              <a:rPr lang="pt-BR" sz="3200" dirty="0" smtClean="0">
-                <a:solidFill>
-                  <a:schemeClr val="tx2">
-                    <a:lumMod val="75000"/>
-                  </a:schemeClr>
-                </a:solidFill>
-              </a:rPr>
+              <a:rPr lang="pt-BR" sz="3200" dirty="0" smtClean="0"/>
               <a:t>Fronteiras </a:t>
             </a:r>
             <a:br>
-              <a:rPr lang="pt-BR" sz="3200" dirty="0" smtClean="0">
-                <a:solidFill>
-                  <a:schemeClr val="tx2">
-                    <a:lumMod val="75000"/>
-                  </a:schemeClr>
-                </a:solidFill>
-              </a:rPr>
+              <a:rPr lang="pt-BR" sz="3200" dirty="0" smtClean="0"/>
             </a:br>
             <a:r>
-              <a:rPr lang="pt-BR" sz="3200" dirty="0" smtClean="0">
-                <a:solidFill>
-                  <a:schemeClr val="tx2">
-                    <a:lumMod val="75000"/>
-                  </a:schemeClr>
-                </a:solidFill>
-              </a:rPr>
+              <a:rPr lang="pt-BR" sz="3200" dirty="0" smtClean="0"/>
               <a:t>Baseada </a:t>
             </a:r>
             <a:r>
-              <a:rPr lang="pt-BR" sz="3200" dirty="0">
-                <a:solidFill>
-                  <a:schemeClr val="tx2">
-                    <a:lumMod val="75000"/>
-                  </a:schemeClr>
-                </a:solidFill>
-              </a:rPr>
+              <a:rPr lang="pt-BR" sz="3200" dirty="0"/>
               <a:t>em </a:t>
             </a:r>
             <a:r>
-              <a:rPr lang="pt-BR" sz="3200" dirty="0" smtClean="0">
-                <a:solidFill>
-                  <a:schemeClr val="tx2">
-                    <a:lumMod val="75000"/>
-                  </a:schemeClr>
-                </a:solidFill>
-              </a:rPr>
+              <a:rPr lang="pt-BR" sz="3200" dirty="0" smtClean="0"/>
               <a:t>Derivadas Médias</a:t>
             </a:r>
-            <a:endParaRPr lang="pt-BR" sz="3200" dirty="0">
-              <a:solidFill>
-                <a:schemeClr val="tx2">
-                  <a:lumMod val="75000"/>
-                </a:schemeClr>
-              </a:solidFill>
-            </a:endParaRPr>
+            <a:endParaRPr lang="pt-BR" sz="3200" dirty="0"/>
           </a:p>
         </p:txBody>
       </p:sp>
@@ -3936,9 +3828,8 @@
             <a:r>
               <a:rPr lang="pt-BR" sz="1600" dirty="0" smtClean="0">
                 <a:solidFill>
-                  <a:schemeClr val="tx1">
-                    <a:lumMod val="65000"/>
-                    <a:lumOff val="35000"/>
+                  <a:schemeClr val="tx2">
+                    <a:lumMod val="50000"/>
                   </a:schemeClr>
                 </a:solidFill>
               </a:rPr>
@@ -3948,9 +3839,8 @@
           <a:p>
             <a:endParaRPr lang="pt-BR" sz="1600" dirty="0">
               <a:solidFill>
-                <a:schemeClr val="tx1">
-                  <a:lumMod val="65000"/>
-                  <a:lumOff val="35000"/>
+                <a:schemeClr val="tx2">
+                  <a:lumMod val="50000"/>
                 </a:schemeClr>
               </a:solidFill>
             </a:endParaRPr>
@@ -3959,9 +3849,8 @@
             <a:r>
               <a:rPr lang="pt-BR" sz="1600" dirty="0" smtClean="0">
                 <a:solidFill>
-                  <a:schemeClr val="tx1">
-                    <a:lumMod val="65000"/>
-                    <a:lumOff val="35000"/>
+                  <a:schemeClr val="tx2">
+                    <a:lumMod val="50000"/>
                   </a:schemeClr>
                 </a:solidFill>
               </a:rPr>
@@ -3970,9 +3859,8 @@
             <a:r>
               <a:rPr lang="pt-BR" sz="1600" dirty="0" err="1" smtClean="0">
                 <a:solidFill>
-                  <a:schemeClr val="tx1">
-                    <a:lumMod val="65000"/>
-                    <a:lumOff val="35000"/>
+                  <a:schemeClr val="tx2">
+                    <a:lumMod val="50000"/>
                   </a:schemeClr>
                 </a:solidFill>
               </a:rPr>
@@ -3980,9 +3868,8 @@
             </a:r>
             <a:endParaRPr lang="pt-BR" sz="1600" dirty="0" smtClean="0">
               <a:solidFill>
-                <a:schemeClr val="tx1">
-                  <a:lumMod val="65000"/>
-                  <a:lumOff val="35000"/>
+                <a:schemeClr val="tx2">
+                  <a:lumMod val="50000"/>
                 </a:schemeClr>
               </a:solidFill>
             </a:endParaRPr>
@@ -3997,8 +3884,8 @@
         </p:nvSpPr>
         <p:spPr>
           <a:xfrm>
-            <a:off x="4944242" y="6437189"/>
-            <a:ext cx="2303516" cy="276999"/>
+            <a:off x="4865921" y="6437189"/>
+            <a:ext cx="2460161" cy="276999"/>
           </a:xfrm>
           <a:prstGeom prst="rect">
             <a:avLst/>
@@ -4015,30 +3902,27 @@
             <a:r>
               <a:rPr lang="pt-BR" sz="1200" dirty="0">
                 <a:solidFill>
-                  <a:schemeClr val="tx1">
-                    <a:lumMod val="65000"/>
-                    <a:lumOff val="35000"/>
+                  <a:schemeClr val="tx2">
+                    <a:lumMod val="50000"/>
                   </a:schemeClr>
                 </a:solidFill>
               </a:rPr>
-              <a:t>Rio de Janeiro, 16 de Março, </a:t>
+              <a:t>Rio de Janeiro, 16 de </a:t>
             </a:r>
             <a:r>
               <a:rPr lang="pt-BR" sz="1200" dirty="0" smtClean="0">
                 <a:solidFill>
-                  <a:schemeClr val="tx1">
-                    <a:lumMod val="65000"/>
-                    <a:lumOff val="35000"/>
+                  <a:schemeClr val="tx2">
+                    <a:lumMod val="50000"/>
                   </a:schemeClr>
                 </a:solidFill>
               </a:rPr>
-              <a:t>2018</a:t>
+              <a:t>Março de 2018</a:t>
             </a:r>
             <a:endParaRPr lang="pt-BR" sz="1200" dirty="0">
               <a:solidFill>
-                <a:schemeClr val="tx1">
-                  <a:lumMod val="65000"/>
-                  <a:lumOff val="35000"/>
+                <a:schemeClr val="tx2">
+                  <a:lumMod val="50000"/>
                 </a:schemeClr>
               </a:solidFill>
             </a:endParaRPr>
@@ -4100,77 +3984,197 @@
           <a:lstStyle/>
           <a:p>
             <a:r>
-              <a:rPr lang="pt-BR" sz="2800" dirty="0" smtClean="0">
-                <a:solidFill>
-                  <a:schemeClr val="tx1">
+              <a:rPr lang="pt-BR" sz="2800" dirty="0" smtClean="0"/>
+              <a:t>Introdução</a:t>
+            </a:r>
+            <a:endParaRPr lang="pt-BR" sz="2800" dirty="0"/>
+          </a:p>
+        </p:txBody>
+      </p:sp>
+      <p:sp>
+        <p:nvSpPr>
+          <p:cNvPr id="3" name="Espaço Reservado para Conteúdo 2"/>
+          <p:cNvSpPr>
+            <a:spLocks noGrp="1"/>
+          </p:cNvSpPr>
+          <p:nvPr>
+            <p:ph idx="1"/>
+          </p:nvPr>
+        </p:nvSpPr>
+        <p:spPr/>
+        <p:txBody>
+          <a:bodyPr>
+            <a:normAutofit lnSpcReduction="10000"/>
+          </a:bodyPr>
+          <a:lstStyle/>
+          <a:p>
+            <a:r>
+              <a:rPr lang="pt-BR" dirty="0" smtClean="0">
+                <a:solidFill>
+                  <a:schemeClr val="tx2">
                     <a:lumMod val="75000"/>
-                    <a:lumOff val="25000"/>
                   </a:schemeClr>
                 </a:solidFill>
               </a:rPr>
-              <a:t>Introdução</a:t>
-            </a:r>
-            <a:endParaRPr lang="pt-BR" sz="2800" dirty="0">
+              <a:t>Frase grande e construtiva sobre o tema da dissertação, que é detecção automática de funções de transferência para realce de fronteiras</a:t>
+            </a:r>
+          </a:p>
+          <a:p>
+            <a:r>
+              <a:rPr lang="pt-BR" dirty="0" smtClean="0">
+                <a:solidFill>
+                  <a:schemeClr val="tx2">
+                    <a:lumMod val="75000"/>
+                  </a:schemeClr>
+                </a:solidFill>
+              </a:rPr>
+              <a:t>Tópico </a:t>
+            </a:r>
+            <a:r>
+              <a:rPr lang="pt-BR" dirty="0" smtClean="0">
+                <a:solidFill>
+                  <a:schemeClr val="tx2">
+                    <a:lumMod val="75000"/>
+                  </a:schemeClr>
+                </a:solidFill>
+              </a:rPr>
+              <a:t>I</a:t>
+            </a:r>
+          </a:p>
+          <a:p>
+            <a:r>
+              <a:rPr lang="pt-BR" dirty="0" smtClean="0">
+                <a:solidFill>
+                  <a:schemeClr val="tx2">
+                    <a:lumMod val="75000"/>
+                  </a:schemeClr>
+                </a:solidFill>
+              </a:rPr>
+              <a:t>Sub Tópico I</a:t>
+            </a:r>
+            <a:endParaRPr lang="pt-BR" dirty="0" smtClean="0">
               <a:solidFill>
-                <a:schemeClr val="tx1">
+                <a:schemeClr val="tx2">
                   <a:lumMod val="75000"/>
-                  <a:lumOff val="25000"/>
                 </a:schemeClr>
               </a:solidFill>
             </a:endParaRPr>
           </a:p>
-        </p:txBody>
-      </p:sp>
-      <p:sp>
-        <p:nvSpPr>
-          <p:cNvPr id="3" name="Espaço Reservado para Conteúdo 2"/>
-          <p:cNvSpPr>
-            <a:spLocks noGrp="1"/>
-          </p:cNvSpPr>
-          <p:nvPr>
-            <p:ph idx="1"/>
-          </p:nvPr>
-        </p:nvSpPr>
-        <p:spPr/>
-        <p:txBody>
-          <a:bodyPr>
-            <a:normAutofit/>
-          </a:bodyPr>
-          <a:lstStyle/>
-          <a:p>
-            <a:r>
-              <a:rPr lang="pt-BR" sz="1600" dirty="0" smtClean="0">
-                <a:solidFill>
-                  <a:schemeClr val="tx1">
+          <a:p>
+            <a:r>
+              <a:rPr lang="pt-BR" dirty="0" smtClean="0">
+                <a:solidFill>
+                  <a:schemeClr val="tx2">
                     <a:lumMod val="75000"/>
-                    <a:lumOff val="25000"/>
-                  </a:schemeClr>
-                </a:solidFill>
-              </a:rPr>
-              <a:t>Tópico I</a:t>
-            </a:r>
-          </a:p>
-          <a:p>
-            <a:r>
-              <a:rPr lang="pt-BR" sz="1600" dirty="0" smtClean="0">
-                <a:solidFill>
-                  <a:schemeClr val="tx1">
-                    <a:lumMod val="75000"/>
-                    <a:lumOff val="25000"/>
                   </a:schemeClr>
                 </a:solidFill>
               </a:rPr>
               <a:t>Tópico II</a:t>
             </a:r>
-            <a:endParaRPr lang="pt-BR" sz="1600" dirty="0">
+          </a:p>
+          <a:p>
+            <a:endParaRPr lang="pt-BR" dirty="0">
               <a:solidFill>
-                <a:schemeClr val="tx1">
+                <a:schemeClr val="tx2">
                   <a:lumMod val="75000"/>
-                  <a:lumOff val="25000"/>
                 </a:schemeClr>
               </a:solidFill>
             </a:endParaRPr>
           </a:p>
+          <a:p>
+            <a:endParaRPr lang="pt-BR" dirty="0" smtClean="0">
+              <a:solidFill>
+                <a:schemeClr val="tx2">
+                  <a:lumMod val="75000"/>
+                </a:schemeClr>
+              </a:solidFill>
+            </a:endParaRPr>
+          </a:p>
+          <a:p>
+            <a:endParaRPr lang="pt-BR" dirty="0">
+              <a:solidFill>
+                <a:schemeClr val="tx2">
+                  <a:lumMod val="75000"/>
+                </a:schemeClr>
+              </a:solidFill>
+            </a:endParaRPr>
+          </a:p>
+          <a:p>
+            <a:endParaRPr lang="pt-BR" dirty="0" smtClean="0">
+              <a:solidFill>
+                <a:schemeClr val="tx2">
+                  <a:lumMod val="75000"/>
+                </a:schemeClr>
+              </a:solidFill>
+            </a:endParaRPr>
+          </a:p>
+          <a:p>
+            <a:endParaRPr lang="pt-BR" dirty="0">
+              <a:solidFill>
+                <a:schemeClr val="tx2">
+                  <a:lumMod val="75000"/>
+                </a:schemeClr>
+              </a:solidFill>
+            </a:endParaRPr>
+          </a:p>
+          <a:p>
+            <a:endParaRPr lang="pt-BR" dirty="0" smtClean="0">
+              <a:solidFill>
+                <a:schemeClr val="tx2">
+                  <a:lumMod val="75000"/>
+                </a:schemeClr>
+              </a:solidFill>
+            </a:endParaRPr>
+          </a:p>
+          <a:p>
+            <a:endParaRPr lang="pt-BR" dirty="0">
+              <a:solidFill>
+                <a:schemeClr val="tx2">
+                  <a:lumMod val="75000"/>
+                </a:schemeClr>
+              </a:solidFill>
+            </a:endParaRPr>
+          </a:p>
+          <a:p>
+            <a:endParaRPr lang="pt-BR" dirty="0" smtClean="0">
+              <a:solidFill>
+                <a:schemeClr val="tx2">
+                  <a:lumMod val="75000"/>
+                </a:schemeClr>
+              </a:solidFill>
+            </a:endParaRPr>
+          </a:p>
+          <a:p>
+            <a:endParaRPr lang="pt-BR" dirty="0">
+              <a:solidFill>
+                <a:schemeClr val="tx2">
+                  <a:lumMod val="75000"/>
+                </a:schemeClr>
+              </a:solidFill>
+            </a:endParaRPr>
+          </a:p>
+          <a:p>
+            <a:r>
+              <a:rPr lang="pt-BR" dirty="0">
+                <a:solidFill>
+                  <a:schemeClr val="tx2">
+                    <a:lumMod val="75000"/>
+                  </a:schemeClr>
+                </a:solidFill>
+              </a:rPr>
+              <a:t>Frase grande e construtiva sobre o tema da dissertação, que é detecção automática de funções de transferência para realce de </a:t>
+            </a:r>
+            <a:r>
+              <a:rPr lang="pt-BR" dirty="0" smtClean="0">
+                <a:solidFill>
+                  <a:schemeClr val="tx2">
+                    <a:lumMod val="75000"/>
+                  </a:schemeClr>
+                </a:solidFill>
+              </a:rPr>
+              <a:t>fronteiras</a:t>
+            </a:r>
+          </a:p>
         </p:txBody>
       </p:sp>
       <p:sp>
@@ -4196,10 +4200,306 @@
           </a:p>
         </p:txBody>
       </p:sp>
+      <p:pic>
+        <p:nvPicPr>
+          <p:cNvPr id="5" name="Imagem 4"/>
+          <p:cNvPicPr>
+            <a:picLocks noChangeAspect="1"/>
+          </p:cNvPicPr>
+          <p:nvPr/>
+        </p:nvPicPr>
+        <p:blipFill>
+          <a:blip r:embed="rId3">
+            <a:extLst>
+              <a:ext uri="{28A0092B-C50C-407E-A947-70E740481C1C}">
+                <a14:useLocalDpi xmlns:a14="http://schemas.microsoft.com/office/drawing/2010/main" val="0"/>
+              </a:ext>
+            </a:extLst>
+          </a:blip>
+          <a:stretch>
+            <a:fillRect/>
+          </a:stretch>
+        </p:blipFill>
+        <p:spPr>
+          <a:xfrm>
+            <a:off x="6798769" y="2328256"/>
+            <a:ext cx="3623661" cy="3213562"/>
+          </a:xfrm>
+          <a:prstGeom prst="rect">
+            <a:avLst/>
+          </a:prstGeom>
+          <a:ln w="38100" cap="sq">
+            <a:solidFill>
+              <a:srgbClr val="000000"/>
+            </a:solidFill>
+            <a:prstDash val="solid"/>
+            <a:miter lim="800000"/>
+          </a:ln>
+          <a:effectLst>
+            <a:outerShdw blurRad="50800" dist="38100" dir="2700000" algn="tl" rotWithShape="0">
+              <a:srgbClr val="000000">
+                <a:alpha val="43000"/>
+              </a:srgbClr>
+            </a:outerShdw>
+          </a:effectLst>
+        </p:spPr>
+      </p:pic>
+      <p:pic>
+        <p:nvPicPr>
+          <p:cNvPr id="6" name="Imagem 5"/>
+          <p:cNvPicPr>
+            <a:picLocks noChangeAspect="1"/>
+          </p:cNvPicPr>
+          <p:nvPr/>
+        </p:nvPicPr>
+        <p:blipFill>
+          <a:blip r:embed="rId4">
+            <a:extLst>
+              <a:ext uri="{28A0092B-C50C-407E-A947-70E740481C1C}">
+                <a14:useLocalDpi xmlns:a14="http://schemas.microsoft.com/office/drawing/2010/main" val="0"/>
+              </a:ext>
+            </a:extLst>
+          </a:blip>
+          <a:stretch>
+            <a:fillRect/>
+          </a:stretch>
+        </p:blipFill>
+        <p:spPr>
+          <a:xfrm>
+            <a:off x="2038927" y="3837709"/>
+            <a:ext cx="3338946" cy="1112982"/>
+          </a:xfrm>
+          <a:prstGeom prst="rect">
+            <a:avLst/>
+          </a:prstGeom>
+          <a:ln w="38100" cap="sq">
+            <a:solidFill>
+              <a:srgbClr val="000000"/>
+            </a:solidFill>
+            <a:prstDash val="solid"/>
+            <a:miter lim="800000"/>
+          </a:ln>
+          <a:effectLst>
+            <a:outerShdw blurRad="50800" dist="38100" dir="2700000" algn="tl" rotWithShape="0">
+              <a:srgbClr val="000000">
+                <a:alpha val="43000"/>
+              </a:srgbClr>
+            </a:outerShdw>
+          </a:effectLst>
+        </p:spPr>
+      </p:pic>
     </p:spTree>
     <p:extLst>
       <p:ext uri="{BB962C8B-B14F-4D97-AF65-F5344CB8AC3E}">
         <p14:creationId xmlns:p14="http://schemas.microsoft.com/office/powerpoint/2010/main" val="630442137"/>
+      </p:ext>
+    </p:extLst>
+  </p:cSld>
+  <p:clrMapOvr>
+    <a:masterClrMapping/>
+  </p:clrMapOvr>
+  <p:timing>
+    <p:tnLst>
+      <p:par>
+        <p:cTn id="1" dur="indefinite" restart="never" nodeType="tmRoot"/>
+      </p:par>
+    </p:tnLst>
+  </p:timing>
+</p:sld>
+</file>
+
+<file path=ppt/slides/slide3.xml><?xml version="1.0" encoding="utf-8"?>
+<p:sld xmlns:a="http://schemas.openxmlformats.org/drawingml/2006/main" xmlns:r="http://schemas.openxmlformats.org/officeDocument/2006/relationships" xmlns:p="http://schemas.openxmlformats.org/presentationml/2006/main">
+  <p:cSld>
+    <p:spTree>
+      <p:nvGrpSpPr>
+        <p:cNvPr id="1" name=""/>
+        <p:cNvGrpSpPr/>
+        <p:nvPr/>
+      </p:nvGrpSpPr>
+      <p:grpSpPr>
+        <a:xfrm>
+          <a:off x="0" y="0"/>
+          <a:ext cx="0" cy="0"/>
+          <a:chOff x="0" y="0"/>
+          <a:chExt cx="0" cy="0"/>
+        </a:xfrm>
+      </p:grpSpPr>
+      <p:sp>
+        <p:nvSpPr>
+          <p:cNvPr id="2" name="Título 1"/>
+          <p:cNvSpPr>
+            <a:spLocks noGrp="1"/>
+          </p:cNvSpPr>
+          <p:nvPr>
+            <p:ph type="title"/>
+          </p:nvPr>
+        </p:nvSpPr>
+        <p:spPr/>
+        <p:txBody>
+          <a:bodyPr/>
+          <a:lstStyle/>
+          <a:p>
+            <a:endParaRPr lang="pt-BR"/>
+          </a:p>
+        </p:txBody>
+      </p:sp>
+      <p:sp>
+        <p:nvSpPr>
+          <p:cNvPr id="4" name="Espaço Reservado para Número de Slide 3"/>
+          <p:cNvSpPr>
+            <a:spLocks noGrp="1"/>
+          </p:cNvSpPr>
+          <p:nvPr>
+            <p:ph type="sldNum" sz="quarter" idx="12"/>
+          </p:nvPr>
+        </p:nvSpPr>
+        <p:spPr/>
+        <p:txBody>
+          <a:bodyPr/>
+          <a:lstStyle/>
+          <a:p>
+            <a:fld id="{00E55D9D-EA25-455E-8878-CBD4B3E879F3}" type="slidenum">
+              <a:rPr lang="pt-BR" smtClean="0"/>
+              <a:pPr/>
+              <a:t>3</a:t>
+            </a:fld>
+            <a:endParaRPr lang="pt-BR" dirty="0"/>
+          </a:p>
+        </p:txBody>
+      </p:sp>
+      <p:pic>
+        <p:nvPicPr>
+          <p:cNvPr id="12" name="Espaço Reservado para Conteúdo 11"/>
+          <p:cNvPicPr>
+            <a:picLocks noGrp="1" noChangeAspect="1"/>
+          </p:cNvPicPr>
+          <p:nvPr>
+            <p:ph idx="1"/>
+          </p:nvPr>
+        </p:nvPicPr>
+        <p:blipFill>
+          <a:blip r:embed="rId2" cstate="print">
+            <a:extLst>
+              <a:ext uri="{28A0092B-C50C-407E-A947-70E740481C1C}">
+                <a14:useLocalDpi xmlns:a14="http://schemas.microsoft.com/office/drawing/2010/main" val="0"/>
+              </a:ext>
+            </a:extLst>
+          </a:blip>
+          <a:stretch>
+            <a:fillRect/>
+          </a:stretch>
+        </p:blipFill>
+        <p:spPr>
+          <a:xfrm>
+            <a:off x="3206883" y="1796605"/>
+            <a:ext cx="5632317" cy="4559745"/>
+          </a:xfrm>
+        </p:spPr>
+      </p:pic>
+    </p:spTree>
+    <p:extLst>
+      <p:ext uri="{BB962C8B-B14F-4D97-AF65-F5344CB8AC3E}">
+        <p14:creationId xmlns:p14="http://schemas.microsoft.com/office/powerpoint/2010/main" val="1340584896"/>
+      </p:ext>
+    </p:extLst>
+  </p:cSld>
+  <p:clrMapOvr>
+    <a:masterClrMapping/>
+  </p:clrMapOvr>
+  <p:timing>
+    <p:tnLst>
+      <p:par>
+        <p:cTn id="1" dur="indefinite" restart="never" nodeType="tmRoot"/>
+      </p:par>
+    </p:tnLst>
+  </p:timing>
+</p:sld>
+</file>
+
+<file path=ppt/slides/slide4.xml><?xml version="1.0" encoding="utf-8"?>
+<p:sld xmlns:a="http://schemas.openxmlformats.org/drawingml/2006/main" xmlns:r="http://schemas.openxmlformats.org/officeDocument/2006/relationships" xmlns:p="http://schemas.openxmlformats.org/presentationml/2006/main">
+  <p:cSld>
+    <p:spTree>
+      <p:nvGrpSpPr>
+        <p:cNvPr id="1" name=""/>
+        <p:cNvGrpSpPr/>
+        <p:nvPr/>
+      </p:nvGrpSpPr>
+      <p:grpSpPr>
+        <a:xfrm>
+          <a:off x="0" y="0"/>
+          <a:ext cx="0" cy="0"/>
+          <a:chOff x="0" y="0"/>
+          <a:chExt cx="0" cy="0"/>
+        </a:xfrm>
+      </p:grpSpPr>
+      <p:sp>
+        <p:nvSpPr>
+          <p:cNvPr id="2" name="Título 1"/>
+          <p:cNvSpPr>
+            <a:spLocks noGrp="1"/>
+          </p:cNvSpPr>
+          <p:nvPr>
+            <p:ph type="title"/>
+          </p:nvPr>
+        </p:nvSpPr>
+        <p:spPr/>
+        <p:txBody>
+          <a:bodyPr/>
+          <a:lstStyle/>
+          <a:p>
+            <a:endParaRPr lang="pt-BR"/>
+          </a:p>
+        </p:txBody>
+      </p:sp>
+      <p:sp>
+        <p:nvSpPr>
+          <p:cNvPr id="3" name="Espaço Reservado para Conteúdo 2"/>
+          <p:cNvSpPr>
+            <a:spLocks noGrp="1"/>
+          </p:cNvSpPr>
+          <p:nvPr>
+            <p:ph idx="1"/>
+          </p:nvPr>
+        </p:nvSpPr>
+        <p:spPr/>
+        <p:txBody>
+          <a:bodyPr/>
+          <a:lstStyle/>
+          <a:p>
+            <a:endParaRPr lang="pt-BR"/>
+          </a:p>
+        </p:txBody>
+      </p:sp>
+      <p:sp>
+        <p:nvSpPr>
+          <p:cNvPr id="4" name="Espaço Reservado para Número de Slide 3"/>
+          <p:cNvSpPr>
+            <a:spLocks noGrp="1"/>
+          </p:cNvSpPr>
+          <p:nvPr>
+            <p:ph type="sldNum" sz="quarter" idx="12"/>
+          </p:nvPr>
+        </p:nvSpPr>
+        <p:spPr/>
+        <p:txBody>
+          <a:bodyPr/>
+          <a:lstStyle/>
+          <a:p>
+            <a:fld id="{00E55D9D-EA25-455E-8878-CBD4B3E879F3}" type="slidenum">
+              <a:rPr lang="pt-BR" smtClean="0"/>
+              <a:pPr/>
+              <a:t>4</a:t>
+            </a:fld>
+            <a:endParaRPr lang="pt-BR" dirty="0"/>
+          </a:p>
+        </p:txBody>
+      </p:sp>
+    </p:spTree>
+    <p:extLst>
+      <p:ext uri="{BB962C8B-B14F-4D97-AF65-F5344CB8AC3E}">
+        <p14:creationId xmlns:p14="http://schemas.microsoft.com/office/powerpoint/2010/main" val="2017291557"/>
       </p:ext>
     </p:extLst>
   </p:cSld>
